--- a/Project Presentation.pptx
+++ b/Project Presentation.pptx
@@ -9,7 +9,7 @@
   </p:notesMasterIdLst>
   <p:sldIdLst>
     <p:sldId id="283" r:id="rId2"/>
-    <p:sldId id="285" r:id="rId3"/>
+    <p:sldId id="286" r:id="rId3"/>
   </p:sldIdLst>
   <p:sldSz cx="12192000" cy="6858000"/>
   <p:notesSz cx="6858000" cy="9144000"/>
@@ -247,7 +247,7 @@
       <p15:sldGuideLst xmlns:p15="http://schemas.microsoft.com/office/powerpoint/2012/main"/>
     </p:ext>
     <p:ext uri="http://customooxmlschemas.google.com/">
-      <go:slidesCustomData xmlns="" xmlns:mc="http://schemas.openxmlformats.org/markup-compatibility/2006" xmlns:mv="urn:schemas-microsoft-com:mac:vml" xmlns:c="http://schemas.openxmlformats.org/drawingml/2006/chart" xmlns:dgm="http://schemas.openxmlformats.org/drawingml/2006/diagram" xmlns:o="urn:schemas-microsoft-com:office:office" xmlns:v="urn:schemas-microsoft-com:vml" xmlns:pvml="urn:schemas-microsoft-com:office:powerpoint" xmlns:com="http://schemas.openxmlformats.org/drawingml/2006/compatibility" xmlns:p14="http://schemas.microsoft.com/office/powerpoint/2010/main" xmlns:p15="http://schemas.microsoft.com/office/powerpoint/2012/main" xmlns:go="http://customooxmlschemas.google.com/" r:id="rId35" roundtripDataSignature="AMtx7mhSaRiTD9uDhGJ3nUfwohnl+c0Rsw=="/>
+      <go:slidesCustomData xmlns:go="http://customooxmlschemas.google.com/" xmlns:p15="http://schemas.microsoft.com/office/powerpoint/2012/main" xmlns:p14="http://schemas.microsoft.com/office/powerpoint/2010/main" xmlns:com="http://schemas.openxmlformats.org/drawingml/2006/compatibility" xmlns:pvml="urn:schemas-microsoft-com:office:powerpoint" xmlns:v="urn:schemas-microsoft-com:vml" xmlns:o="urn:schemas-microsoft-com:office:office" xmlns:dgm="http://schemas.openxmlformats.org/drawingml/2006/diagram" xmlns:c="http://schemas.openxmlformats.org/drawingml/2006/chart" xmlns:mv="urn:schemas-microsoft-com:mac:vml" xmlns:mc="http://schemas.openxmlformats.org/markup-compatibility/2006" xmlns="" r:id="rId35" roundtripDataSignature="AMtx7mhSaRiTD9uDhGJ3nUfwohnl+c0Rsw=="/>
     </p:ext>
   </p:extLst>
 </p:presentation>
@@ -10706,6 +10706,37 @@
           </a:bodyPr>
           <a:lstStyle/>
           <a:p>
+            <a:pPr algn="ctr"/>
+            <a:r>
+              <a:rPr lang="en-US" sz="1800" spc="300" dirty="0" err="1">
+                <a:solidFill>
+                  <a:schemeClr val="bg1"/>
+                </a:solidFill>
+                <a:ea typeface="Helvetica Neue Light"/>
+                <a:sym typeface="Helvetica Neue Light"/>
+              </a:rPr>
+              <a:t>Snehal</a:t>
+            </a:r>
+            <a:r>
+              <a:rPr lang="en-US" sz="1800" spc="300" dirty="0">
+                <a:solidFill>
+                  <a:schemeClr val="bg1"/>
+                </a:solidFill>
+                <a:ea typeface="Helvetica Neue Light"/>
+                <a:sym typeface="Helvetica Neue Light"/>
+              </a:rPr>
+              <a:t> Lokesh</a:t>
+            </a:r>
+            <a:endParaRPr lang="en-US" sz="1800" spc="300" dirty="0">
+              <a:solidFill>
+                <a:schemeClr val="bg1"/>
+              </a:solidFill>
+              <a:latin typeface="+mn-lt"/>
+              <a:ea typeface="Helvetica Neue Light"/>
+              <a:sym typeface="Helvetica Neue Light"/>
+            </a:endParaRPr>
+          </a:p>
+          <a:p>
             <a:pPr marL="0" marR="0" lvl="0" indent="0" algn="ctr" rtl="0">
               <a:spcBef>
                 <a:spcPts val="0"/>
@@ -10725,28 +10756,6 @@
                 <a:sym typeface="Helvetica Neue Light"/>
               </a:rPr>
               <a:t>Sushanth Sreenivasa Babu</a:t>
-            </a:r>
-          </a:p>
-          <a:p>
-            <a:pPr marL="0" marR="0" lvl="0" indent="0" algn="ctr" rtl="0">
-              <a:spcBef>
-                <a:spcPts val="0"/>
-              </a:spcBef>
-              <a:spcAft>
-                <a:spcPts val="0"/>
-              </a:spcAft>
-              <a:buNone/>
-            </a:pPr>
-            <a:r>
-              <a:rPr lang="en-US" sz="1800" spc="300" dirty="0">
-                <a:solidFill>
-                  <a:schemeClr val="bg1"/>
-                </a:solidFill>
-                <a:latin typeface="+mn-lt"/>
-                <a:ea typeface="Helvetica Neue Light"/>
-                <a:sym typeface="Helvetica Neue Light"/>
-              </a:rPr>
-              <a:t>Snehal Lokesh</a:t>
             </a:r>
           </a:p>
           <a:p>
@@ -10811,10 +10820,10 @@
       </p:grpSpPr>
       <p:sp>
         <p:nvSpPr>
-          <p:cNvPr id="5" name="Google Shape;145;p7">
+          <p:cNvPr id="9" name="Google Shape;145;p7">
             <a:extLst>
               <a:ext uri="{FF2B5EF4-FFF2-40B4-BE49-F238E27FC236}">
-                <a16:creationId xmlns:a16="http://schemas.microsoft.com/office/drawing/2014/main" id="{387F9BF5-DFA5-0D43-A787-7093AFF0A25C}"/>
+                <a16:creationId xmlns:a16="http://schemas.microsoft.com/office/drawing/2014/main" id="{001E8A82-2D09-8A40-AB15-BEA76228B6A2}"/>
               </a:ext>
             </a:extLst>
           </p:cNvPr>
@@ -10873,10 +10882,10 @@
       </p:sp>
       <p:pic>
         <p:nvPicPr>
-          <p:cNvPr id="6" name="Picture 5" descr="A picture containing building, street&#10;&#10;Description automatically generated">
+          <p:cNvPr id="10" name="Picture 9" descr="A picture containing building, street&#10;&#10;Description automatically generated">
             <a:extLst>
               <a:ext uri="{FF2B5EF4-FFF2-40B4-BE49-F238E27FC236}">
-                <a16:creationId xmlns:a16="http://schemas.microsoft.com/office/drawing/2014/main" id="{F2600311-478F-1248-A89E-70562FC0DDD4}"/>
+                <a16:creationId xmlns:a16="http://schemas.microsoft.com/office/drawing/2014/main" id="{DF7902D4-540E-464A-BEC7-4711C02B3764}"/>
               </a:ext>
             </a:extLst>
           </p:cNvPr>
@@ -10903,12 +10912,72 @@
           </a:prstGeom>
         </p:spPr>
       </p:pic>
+      <p:sp>
+        <p:nvSpPr>
+          <p:cNvPr id="4" name="Google Shape;97;p1">
+            <a:extLst>
+              <a:ext uri="{FF2B5EF4-FFF2-40B4-BE49-F238E27FC236}">
+                <a16:creationId xmlns:a16="http://schemas.microsoft.com/office/drawing/2014/main" id="{6EE6B1E5-9B9E-FD48-9F48-627803FDB7F5}"/>
+              </a:ext>
+            </a:extLst>
+          </p:cNvPr>
+          <p:cNvSpPr txBox="1"/>
+          <p:nvPr/>
+        </p:nvSpPr>
+        <p:spPr>
+          <a:xfrm>
+            <a:off x="1134035" y="2553964"/>
+            <a:ext cx="9923929" cy="861734"/>
+          </a:xfrm>
+          <a:prstGeom prst="rect">
+            <a:avLst/>
+          </a:prstGeom>
+          <a:noFill/>
+          <a:ln>
+            <a:noFill/>
+          </a:ln>
+        </p:spPr>
+        <p:txBody>
+          <a:bodyPr spcFirstLastPara="1" wrap="square" lIns="91425" tIns="45700" rIns="91425" bIns="45700" anchor="t" anchorCtr="0">
+            <a:spAutoFit/>
+          </a:bodyPr>
+          <a:lstStyle/>
+          <a:p>
+            <a:pPr lvl="0" algn="ctr">
+              <a:spcBef>
+                <a:spcPts val="600"/>
+              </a:spcBef>
+            </a:pPr>
+            <a:r>
+              <a:rPr lang="en-US" sz="4500" b="1" dirty="0">
+                <a:solidFill>
+                  <a:schemeClr val="lt1"/>
+                </a:solidFill>
+                <a:latin typeface="+mn-lt"/>
+                <a:ea typeface="Helvetica Neue"/>
+                <a:cs typeface="Helvetica Neue"/>
+                <a:sym typeface="Helvetica Neue"/>
+              </a:rPr>
+              <a:t>Thank You!</a:t>
+            </a:r>
+            <a:endParaRPr lang="en-US" sz="1800" dirty="0">
+              <a:solidFill>
+                <a:schemeClr val="lt1"/>
+              </a:solidFill>
+              <a:latin typeface="+mn-lt"/>
+              <a:ea typeface="Helvetica Neue"/>
+              <a:cs typeface="Helvetica Neue"/>
+              <a:sym typeface="Helvetica Neue"/>
+            </a:endParaRPr>
+          </a:p>
+        </p:txBody>
+      </p:sp>
       <p:pic>
         <p:nvPicPr>
-          <p:cNvPr id="8" name="Picture 7" descr="A picture containing drawing&#10;&#10;Description automatically generated">
+          <p:cNvPr id="5" name="Picture 4" descr="A picture containing drawing&#10;&#10;Description automatically generated">
             <a:extLst>
               <a:ext uri="{FF2B5EF4-FFF2-40B4-BE49-F238E27FC236}">
-                <a16:creationId xmlns:a16="http://schemas.microsoft.com/office/drawing/2014/main" id="{06AD285C-0392-AC40-8527-00A5638C78BA}"/>
+                <a16:creationId xmlns:a16="http://schemas.microsoft.com/office/drawing/2014/main" id="{8FBAA0E1-3AE3-CC42-A2EA-C66D0BE988E2}"/>
               </a:ext>
             </a:extLst>
           </p:cNvPr>
@@ -10925,58 +10994,18 @@
         </p:blipFill>
         <p:spPr>
           <a:xfrm>
-            <a:off x="4153327" y="4376452"/>
-            <a:ext cx="7012074" cy="1817083"/>
+            <a:off x="4641007" y="852965"/>
+            <a:ext cx="2909982" cy="754082"/>
           </a:xfrm>
           <a:prstGeom prst="rect">
             <a:avLst/>
           </a:prstGeom>
         </p:spPr>
       </p:pic>
-      <p:sp>
-        <p:nvSpPr>
-          <p:cNvPr id="2" name="TextBox 1">
-            <a:extLst>
-              <a:ext uri="{FF2B5EF4-FFF2-40B4-BE49-F238E27FC236}">
-                <a16:creationId xmlns:a16="http://schemas.microsoft.com/office/drawing/2014/main" id="{DAA766A3-87C0-8341-AB48-7D3FD65EA002}"/>
-              </a:ext>
-            </a:extLst>
-          </p:cNvPr>
-          <p:cNvSpPr txBox="1"/>
-          <p:nvPr/>
-        </p:nvSpPr>
-        <p:spPr>
-          <a:xfrm>
-            <a:off x="4328160" y="2072365"/>
-            <a:ext cx="4315968" cy="707886"/>
-          </a:xfrm>
-          <a:prstGeom prst="rect">
-            <a:avLst/>
-          </a:prstGeom>
-          <a:noFill/>
-        </p:spPr>
-        <p:txBody>
-          <a:bodyPr wrap="square" rtlCol="0">
-            <a:spAutoFit/>
-          </a:bodyPr>
-          <a:lstStyle/>
-          <a:p>
-            <a:r>
-              <a:rPr lang="en-US" sz="4000" b="1" dirty="0">
-                <a:solidFill>
-                  <a:schemeClr val="bg1"/>
-                </a:solidFill>
-                <a:latin typeface="Times" pitchFamily="2" charset="0"/>
-              </a:rPr>
-              <a:t>Thank you</a:t>
-            </a:r>
-          </a:p>
-        </p:txBody>
-      </p:sp>
     </p:spTree>
     <p:extLst>
       <p:ext uri="{BB962C8B-B14F-4D97-AF65-F5344CB8AC3E}">
-        <p14:creationId xmlns:p14="http://schemas.microsoft.com/office/powerpoint/2010/main" val="2780405438"/>
+        <p14:creationId xmlns:p14="http://schemas.microsoft.com/office/powerpoint/2010/main" val="1926570917"/>
       </p:ext>
     </p:extLst>
   </p:cSld>
